--- a/Doc/BusinessModel.pptx
+++ b/Doc/BusinessModel.pptx
@@ -4387,18 +4387,7 @@
                 <a:ea typeface="微软雅黑" pitchFamily="34" charset="-122"/>
                 <a:cs typeface="Arial" charset="0"/>
               </a:rPr>
-              <a:t>数据采集</a:t>
-            </a:r>
-            <a:r>
-              <a:rPr lang="zh-CN" altLang="en-US" sz="1200" dirty="0" smtClean="0">
-                <a:solidFill>
-                  <a:schemeClr val="bg1"/>
-                </a:solidFill>
-                <a:latin typeface="微软雅黑" pitchFamily="34" charset="-122"/>
-                <a:ea typeface="微软雅黑" pitchFamily="34" charset="-122"/>
-                <a:cs typeface="Arial" charset="0"/>
-              </a:rPr>
-              <a:t>模块开发</a:t>
+              <a:t>数据采集模块开发</a:t>
             </a:r>
             <a:endParaRPr lang="en-US" altLang="zh-CN" sz="1200" dirty="0" smtClean="0">
               <a:solidFill>
@@ -4430,18 +4419,7 @@
                 <a:ea typeface="微软雅黑" pitchFamily="34" charset="-122"/>
                 <a:cs typeface="Arial" charset="0"/>
               </a:rPr>
-              <a:t>数据</a:t>
-            </a:r>
-            <a:r>
-              <a:rPr lang="zh-CN" altLang="en-US" sz="1200" dirty="0" smtClean="0">
-                <a:solidFill>
-                  <a:schemeClr val="bg1"/>
-                </a:solidFill>
-                <a:latin typeface="微软雅黑" pitchFamily="34" charset="-122"/>
-                <a:ea typeface="微软雅黑" pitchFamily="34" charset="-122"/>
-                <a:cs typeface="Arial" charset="0"/>
-              </a:rPr>
-              <a:t>显示</a:t>
+              <a:t>数据显示</a:t>
             </a:r>
             <a:r>
               <a:rPr lang="en-US" altLang="zh-CN" sz="1200" dirty="0" smtClean="0">
@@ -4495,18 +4473,7 @@
                 <a:ea typeface="微软雅黑" pitchFamily="34" charset="-122"/>
                 <a:cs typeface="Arial" charset="0"/>
               </a:rPr>
-              <a:t>数据</a:t>
-            </a:r>
-            <a:r>
-              <a:rPr lang="zh-CN" altLang="en-US" sz="1200" dirty="0" smtClean="0">
-                <a:solidFill>
-                  <a:schemeClr val="bg1"/>
-                </a:solidFill>
-                <a:latin typeface="微软雅黑" pitchFamily="34" charset="-122"/>
-                <a:ea typeface="微软雅黑" pitchFamily="34" charset="-122"/>
-                <a:cs typeface="Arial" charset="0"/>
-              </a:rPr>
-              <a:t>服务运营</a:t>
+              <a:t>数据服务运营</a:t>
             </a:r>
             <a:endParaRPr lang="en-US" altLang="zh-CN" sz="1200" dirty="0">
               <a:solidFill>
@@ -5257,14 +5224,6 @@
               </a:rPr>
               <a:t>)</a:t>
             </a:r>
-            <a:endParaRPr lang="en-US" altLang="zh-CN" sz="1200" dirty="0" smtClean="0">
-              <a:solidFill>
-                <a:schemeClr val="bg1"/>
-              </a:solidFill>
-              <a:latin typeface="微软雅黑" pitchFamily="34" charset="-122"/>
-              <a:ea typeface="微软雅黑" pitchFamily="34" charset="-122"/>
-              <a:cs typeface="Arial" charset="0"/>
-            </a:endParaRPr>
           </a:p>
           <a:p>
             <a:r>
@@ -5287,18 +5246,7 @@
                 <a:ea typeface="微软雅黑" pitchFamily="34" charset="-122"/>
                 <a:cs typeface="Arial" charset="0"/>
               </a:rPr>
-              <a:t>设备</a:t>
-            </a:r>
-            <a:r>
-              <a:rPr lang="zh-CN" altLang="en-US" sz="1200" dirty="0" smtClean="0">
-                <a:solidFill>
-                  <a:schemeClr val="bg1"/>
-                </a:solidFill>
-                <a:latin typeface="微软雅黑" pitchFamily="34" charset="-122"/>
-                <a:ea typeface="微软雅黑" pitchFamily="34" charset="-122"/>
-                <a:cs typeface="Arial" charset="0"/>
-              </a:rPr>
-              <a:t>成本</a:t>
+              <a:t>设备成本</a:t>
             </a:r>
             <a:endParaRPr lang="en-US" altLang="zh-CN" sz="1200" dirty="0">
               <a:solidFill>
@@ -5425,40 +5373,7 @@
                 <a:ea typeface="微软雅黑" pitchFamily="34" charset="-122"/>
                 <a:cs typeface="Arial" charset="0"/>
               </a:rPr>
-              <a:t>数据</a:t>
-            </a:r>
-            <a:r>
-              <a:rPr lang="zh-CN" altLang="en-US" sz="1200" dirty="0" smtClean="0">
-                <a:solidFill>
-                  <a:schemeClr val="bg1"/>
-                </a:solidFill>
-                <a:latin typeface="微软雅黑" pitchFamily="34" charset="-122"/>
-                <a:ea typeface="微软雅黑" pitchFamily="34" charset="-122"/>
-                <a:cs typeface="Arial" charset="0"/>
-              </a:rPr>
-              <a:t>服务</a:t>
-            </a:r>
-            <a:r>
-              <a:rPr lang="zh-CN" altLang="en-US" sz="1200" dirty="0" smtClean="0">
-                <a:solidFill>
-                  <a:schemeClr val="bg1"/>
-                </a:solidFill>
-                <a:latin typeface="微软雅黑" pitchFamily="34" charset="-122"/>
-                <a:ea typeface="微软雅黑" pitchFamily="34" charset="-122"/>
-                <a:cs typeface="Arial" charset="0"/>
-              </a:rPr>
-              <a:t>包月包</a:t>
-            </a:r>
-            <a:r>
-              <a:rPr lang="zh-CN" altLang="en-US" sz="1200" dirty="0" smtClean="0">
-                <a:solidFill>
-                  <a:schemeClr val="bg1"/>
-                </a:solidFill>
-                <a:latin typeface="微软雅黑" pitchFamily="34" charset="-122"/>
-                <a:ea typeface="微软雅黑" pitchFamily="34" charset="-122"/>
-                <a:cs typeface="Arial" charset="0"/>
-              </a:rPr>
-              <a:t>年</a:t>
+              <a:t>数据服务包月包年</a:t>
             </a:r>
             <a:endParaRPr lang="en-US" altLang="zh-CN" sz="1200" dirty="0" smtClean="0">
               <a:solidFill>
@@ -5690,18 +5605,7 @@
                 <a:ea typeface="微软雅黑" pitchFamily="34" charset="-122"/>
                 <a:cs typeface="Arial" charset="0"/>
               </a:rPr>
-              <a:t>提供</a:t>
-            </a:r>
-            <a:r>
-              <a:rPr lang="zh-CN" altLang="en-US" sz="1200" dirty="0" smtClean="0">
-                <a:solidFill>
-                  <a:schemeClr val="bg1"/>
-                </a:solidFill>
-                <a:latin typeface="微软雅黑" pitchFamily="34" charset="-122"/>
-                <a:ea typeface="微软雅黑" pitchFamily="34" charset="-122"/>
-                <a:cs typeface="Arial" charset="0"/>
-              </a:rPr>
-              <a:t>数据的机构</a:t>
+              <a:t>提供数据的机构</a:t>
             </a:r>
             <a:endParaRPr lang="en-US" altLang="zh-CN" sz="1200" dirty="0" smtClean="0">
               <a:solidFill>
@@ -5733,18 +5637,7 @@
                 <a:ea typeface="微软雅黑" pitchFamily="34" charset="-122"/>
                 <a:cs typeface="Arial" charset="0"/>
               </a:rPr>
-              <a:t>提供</a:t>
-            </a:r>
-            <a:r>
-              <a:rPr lang="zh-CN" altLang="en-US" sz="1200" dirty="0" smtClean="0">
-                <a:solidFill>
-                  <a:schemeClr val="bg1"/>
-                </a:solidFill>
-                <a:latin typeface="微软雅黑" pitchFamily="34" charset="-122"/>
-                <a:ea typeface="微软雅黑" pitchFamily="34" charset="-122"/>
-                <a:cs typeface="Arial" charset="0"/>
-              </a:rPr>
-              <a:t>数据的个人</a:t>
+              <a:t>提供数据的个人</a:t>
             </a:r>
             <a:endParaRPr lang="en-US" altLang="zh-CN" sz="1200" dirty="0" smtClean="0">
               <a:solidFill>
@@ -6256,7 +6149,23 @@
             </a:r>
             <a:r>
               <a:rPr lang="zh-CN" altLang="zh-CN" sz="2200" dirty="0"/>
-              <a:t>拥有者，需要有一个平台来可视化自己的数据的人或分享给</a:t>
+              <a:t>拥有者，需要有一个平台来</a:t>
+            </a:r>
+            <a:r>
+              <a:rPr lang="zh-CN" altLang="zh-CN" sz="2200" dirty="0" smtClean="0"/>
+              <a:t>可视化</a:t>
+            </a:r>
+            <a:r>
+              <a:rPr lang="zh-CN" altLang="en-US" sz="2200" dirty="0"/>
+              <a:t>和分析</a:t>
+            </a:r>
+            <a:r>
+              <a:rPr lang="zh-CN" altLang="zh-CN" sz="2200" dirty="0" smtClean="0"/>
+              <a:t>自己</a:t>
+            </a:r>
+            <a:r>
+              <a:rPr lang="zh-CN" altLang="zh-CN" sz="2200" dirty="0"/>
+              <a:t>的数据的人或分享给</a:t>
             </a:r>
             <a:r>
               <a:rPr lang="zh-CN" altLang="zh-CN" sz="2200" dirty="0" smtClean="0"/>
